--- a/7.正式课第七周/2.20180314第二天/移动端.pptx
+++ b/7.正式课第七周/2.20180314第二天/移动端.pptx
@@ -217,7 +217,7 @@
           <a:p>
             <a:fld id="{D2A48B96-639E-45A3-A0BA-2464DFDB1FAA}" type="datetimeFigureOut">
               <a:rPr lang="zh-CN" altLang="en-US" smtClean="0"/>
-              <a:t>2018/3/13</a:t>
+              <a:t>2018/3/17</a:t>
             </a:fld>
             <a:endParaRPr lang="zh-CN" altLang="en-US"/>
           </a:p>
@@ -674,7 +674,7 @@
           <a:p>
             <a:fld id="{82F288E0-7875-42C4-84C8-98DBBD3BF4D2}" type="datetimeFigureOut">
               <a:rPr lang="zh-CN" altLang="en-US" smtClean="0"/>
-              <a:t>2018/3/13</a:t>
+              <a:t>2018/3/17</a:t>
             </a:fld>
             <a:endParaRPr lang="zh-CN" altLang="en-US"/>
           </a:p>
@@ -835,7 +835,7 @@
           <a:p>
             <a:fld id="{82F288E0-7875-42C4-84C8-98DBBD3BF4D2}" type="datetimeFigureOut">
               <a:rPr lang="zh-CN" altLang="en-US" smtClean="0"/>
-              <a:t>2018/3/13</a:t>
+              <a:t>2018/3/17</a:t>
             </a:fld>
             <a:endParaRPr lang="zh-CN" altLang="en-US"/>
           </a:p>
@@ -1023,7 +1023,7 @@
           <a:p>
             <a:fld id="{82F288E0-7875-42C4-84C8-98DBBD3BF4D2}" type="datetimeFigureOut">
               <a:rPr lang="zh-CN" altLang="en-US" smtClean="0"/>
-              <a:t>2018/3/13</a:t>
+              <a:t>2018/3/17</a:t>
             </a:fld>
             <a:endParaRPr lang="zh-CN" altLang="en-US"/>
           </a:p>
@@ -1278,7 +1278,7 @@
           <a:p>
             <a:fld id="{82F288E0-7875-42C4-84C8-98DBBD3BF4D2}" type="datetimeFigureOut">
               <a:rPr lang="zh-CN" altLang="en-US" smtClean="0"/>
-              <a:t>2018/3/13</a:t>
+              <a:t>2018/3/17</a:t>
             </a:fld>
             <a:endParaRPr lang="zh-CN" altLang="en-US"/>
           </a:p>
@@ -1522,7 +1522,7 @@
           <a:p>
             <a:fld id="{82F288E0-7875-42C4-84C8-98DBBD3BF4D2}" type="datetimeFigureOut">
               <a:rPr lang="zh-CN" altLang="en-US" smtClean="0"/>
-              <a:t>2018/3/13</a:t>
+              <a:t>2018/3/17</a:t>
             </a:fld>
             <a:endParaRPr lang="zh-CN" altLang="en-US"/>
           </a:p>
@@ -1896,7 +1896,7 @@
           <a:p>
             <a:fld id="{82F288E0-7875-42C4-84C8-98DBBD3BF4D2}" type="datetimeFigureOut">
               <a:rPr lang="zh-CN" altLang="en-US" smtClean="0"/>
-              <a:t>2018/3/13</a:t>
+              <a:t>2018/3/17</a:t>
             </a:fld>
             <a:endParaRPr lang="zh-CN" altLang="en-US"/>
           </a:p>
@@ -2028,7 +2028,7 @@
           <a:p>
             <a:fld id="{82F288E0-7875-42C4-84C8-98DBBD3BF4D2}" type="datetimeFigureOut">
               <a:rPr lang="zh-CN" altLang="en-US" smtClean="0"/>
-              <a:t>2018/3/13</a:t>
+              <a:t>2018/3/17</a:t>
             </a:fld>
             <a:endParaRPr lang="zh-CN" altLang="en-US"/>
           </a:p>
@@ -2133,7 +2133,7 @@
           <a:p>
             <a:fld id="{82F288E0-7875-42C4-84C8-98DBBD3BF4D2}" type="datetimeFigureOut">
               <a:rPr lang="zh-CN" altLang="en-US" smtClean="0"/>
-              <a:t>2018/3/13</a:t>
+              <a:t>2018/3/17</a:t>
             </a:fld>
             <a:endParaRPr lang="zh-CN" altLang="en-US"/>
           </a:p>
@@ -2395,7 +2395,7 @@
           <a:p>
             <a:fld id="{82F288E0-7875-42C4-84C8-98DBBD3BF4D2}" type="datetimeFigureOut">
               <a:rPr lang="zh-CN" altLang="en-US" smtClean="0"/>
-              <a:t>2018/3/13</a:t>
+              <a:t>2018/3/17</a:t>
             </a:fld>
             <a:endParaRPr lang="zh-CN" altLang="en-US"/>
           </a:p>
@@ -2583,7 +2583,7 @@
           <a:p>
             <a:fld id="{82F288E0-7875-42C4-84C8-98DBBD3BF4D2}" type="datetimeFigureOut">
               <a:rPr lang="zh-CN" altLang="en-US" smtClean="0"/>
-              <a:t>2018/3/13</a:t>
+              <a:t>2018/3/17</a:t>
             </a:fld>
             <a:endParaRPr lang="zh-CN" altLang="en-US"/>
           </a:p>
@@ -3523,7 +3523,12 @@
             <p:ph idx="1"/>
           </p:nvPr>
         </p:nvSpPr>
-        <p:spPr/>
+        <p:spPr>
+          <a:xfrm>
+            <a:off x="1174102" y="1788303"/>
+            <a:ext cx="10515600" cy="4351338"/>
+          </a:xfrm>
+        </p:spPr>
         <p:txBody>
           <a:bodyPr/>
           <a:lstStyle/>
@@ -7864,7 +7869,7 @@
                 <a:latin typeface="微软雅黑" panose="020B0503020204020204" pitchFamily="34" charset="-122"/>
                 <a:ea typeface="微软雅黑" panose="020B0503020204020204" pitchFamily="34" charset="-122"/>
               </a:rPr>
-              <a:t>设置旋转的几点位置；</a:t>
+              <a:t>设置旋转的基点位置；</a:t>
             </a:r>
             <a:endParaRPr lang="en-US" altLang="zh-CN" dirty="0">
               <a:latin typeface="微软雅黑" panose="020B0503020204020204" pitchFamily="34" charset="-122"/>
@@ -8542,7 +8547,7 @@
                 <a:ea typeface="微软雅黑" panose="020B0503020204020204" pitchFamily="34" charset="-122"/>
                 <a:sym typeface="+mn-ea"/>
               </a:rPr>
-              <a:t>&lt;article&gt;:</a:t>
+              <a:t>&lt;a	&gt;:</a:t>
             </a:r>
             <a:r>
               <a:rPr lang="zh-CN" altLang="en-US" dirty="0">
@@ -9669,7 +9674,7 @@
         </p:nvSpPr>
         <p:spPr>
           <a:xfrm>
-            <a:off x="838200" y="1690688"/>
+            <a:off x="968829" y="1690688"/>
             <a:ext cx="4452891" cy="4486275"/>
           </a:xfrm>
         </p:spPr>
